--- a/projectReportPPT/projectPPT.pptx
+++ b/projectReportPPT/projectPPT.pptx
@@ -3827,7 +3827,7 @@
                   </a:extLst>
                 </a:hlinkClick>
               </a:rPr>
-              <a:t>https://github.com/rid17pawar/hospital-management.git</a:t>
+              <a:t>https://github.com/rid17pawar/HospitalManagement.git</a:t>
             </a:r>
             <a:endParaRPr lang="en-IN" sz="1600" dirty="0">
               <a:solidFill>
